--- a/Machine learning for dummies/Presentation/Diskussion om begreppet Data Science.pptx
+++ b/Machine learning for dummies/Presentation/Diskussion om begreppet Data Science.pptx
@@ -271,7 +271,7 @@
           <a:p>
             <a:fld id="{D54733F0-06F3-4793-9386-80AFF6BF7E4B}" type="datetimeFigureOut">
               <a:rPr lang="sv-SE" smtClean="0"/>
-              <a:t>2018-12-04</a:t>
+              <a:t>2019-01-03</a:t>
             </a:fld>
             <a:endParaRPr lang="sv-SE"/>
           </a:p>
@@ -471,7 +471,7 @@
           <a:p>
             <a:fld id="{D54733F0-06F3-4793-9386-80AFF6BF7E4B}" type="datetimeFigureOut">
               <a:rPr lang="sv-SE" smtClean="0"/>
-              <a:t>2018-12-04</a:t>
+              <a:t>2019-01-03</a:t>
             </a:fld>
             <a:endParaRPr lang="sv-SE"/>
           </a:p>
@@ -681,7 +681,7 @@
           <a:p>
             <a:fld id="{D54733F0-06F3-4793-9386-80AFF6BF7E4B}" type="datetimeFigureOut">
               <a:rPr lang="sv-SE" smtClean="0"/>
-              <a:t>2018-12-04</a:t>
+              <a:t>2019-01-03</a:t>
             </a:fld>
             <a:endParaRPr lang="sv-SE"/>
           </a:p>
@@ -881,7 +881,7 @@
           <a:p>
             <a:fld id="{D54733F0-06F3-4793-9386-80AFF6BF7E4B}" type="datetimeFigureOut">
               <a:rPr lang="sv-SE" smtClean="0"/>
-              <a:t>2018-12-04</a:t>
+              <a:t>2019-01-03</a:t>
             </a:fld>
             <a:endParaRPr lang="sv-SE"/>
           </a:p>
@@ -1157,7 +1157,7 @@
           <a:p>
             <a:fld id="{D54733F0-06F3-4793-9386-80AFF6BF7E4B}" type="datetimeFigureOut">
               <a:rPr lang="sv-SE" smtClean="0"/>
-              <a:t>2018-12-04</a:t>
+              <a:t>2019-01-03</a:t>
             </a:fld>
             <a:endParaRPr lang="sv-SE"/>
           </a:p>
@@ -1425,7 +1425,7 @@
           <a:p>
             <a:fld id="{D54733F0-06F3-4793-9386-80AFF6BF7E4B}" type="datetimeFigureOut">
               <a:rPr lang="sv-SE" smtClean="0"/>
-              <a:t>2018-12-04</a:t>
+              <a:t>2019-01-03</a:t>
             </a:fld>
             <a:endParaRPr lang="sv-SE"/>
           </a:p>
@@ -1840,7 +1840,7 @@
           <a:p>
             <a:fld id="{D54733F0-06F3-4793-9386-80AFF6BF7E4B}" type="datetimeFigureOut">
               <a:rPr lang="sv-SE" smtClean="0"/>
-              <a:t>2018-12-04</a:t>
+              <a:t>2019-01-03</a:t>
             </a:fld>
             <a:endParaRPr lang="sv-SE"/>
           </a:p>
@@ -1982,7 +1982,7 @@
           <a:p>
             <a:fld id="{D54733F0-06F3-4793-9386-80AFF6BF7E4B}" type="datetimeFigureOut">
               <a:rPr lang="sv-SE" smtClean="0"/>
-              <a:t>2018-12-04</a:t>
+              <a:t>2019-01-03</a:t>
             </a:fld>
             <a:endParaRPr lang="sv-SE"/>
           </a:p>
@@ -2095,7 +2095,7 @@
           <a:p>
             <a:fld id="{D54733F0-06F3-4793-9386-80AFF6BF7E4B}" type="datetimeFigureOut">
               <a:rPr lang="sv-SE" smtClean="0"/>
-              <a:t>2018-12-04</a:t>
+              <a:t>2019-01-03</a:t>
             </a:fld>
             <a:endParaRPr lang="sv-SE"/>
           </a:p>
@@ -2408,7 +2408,7 @@
           <a:p>
             <a:fld id="{D54733F0-06F3-4793-9386-80AFF6BF7E4B}" type="datetimeFigureOut">
               <a:rPr lang="sv-SE" smtClean="0"/>
-              <a:t>2018-12-04</a:t>
+              <a:t>2019-01-03</a:t>
             </a:fld>
             <a:endParaRPr lang="sv-SE"/>
           </a:p>
@@ -2697,7 +2697,7 @@
           <a:p>
             <a:fld id="{D54733F0-06F3-4793-9386-80AFF6BF7E4B}" type="datetimeFigureOut">
               <a:rPr lang="sv-SE" smtClean="0"/>
-              <a:t>2018-12-04</a:t>
+              <a:t>2019-01-03</a:t>
             </a:fld>
             <a:endParaRPr lang="sv-SE"/>
           </a:p>
@@ -2940,7 +2940,7 @@
           <a:p>
             <a:fld id="{D54733F0-06F3-4793-9386-80AFF6BF7E4B}" type="datetimeFigureOut">
               <a:rPr lang="sv-SE" smtClean="0"/>
-              <a:t>2018-12-04</a:t>
+              <a:t>2019-01-03</a:t>
             </a:fld>
             <a:endParaRPr lang="sv-SE"/>
           </a:p>
@@ -6432,14 +6432,37 @@
             <p:ph type="title"/>
           </p:nvPr>
         </p:nvSpPr>
-        <p:spPr/>
-        <p:txBody>
-          <a:bodyPr/>
+        <p:spPr>
+          <a:xfrm>
+            <a:off x="828675" y="5709254"/>
+            <a:ext cx="4448175" cy="396875"/>
+          </a:xfrm>
+        </p:spPr>
+        <p:txBody>
+          <a:bodyPr>
+            <a:normAutofit/>
+          </a:bodyPr>
           <a:lstStyle/>
           <a:p>
             <a:r>
-              <a:rPr lang="sv-SE" dirty="0"/>
-              <a:t>Olika typer av effekter</a:t>
+              <a:rPr lang="sv-SE" sz="2000" dirty="0"/>
+              <a:t>[</a:t>
+            </a:r>
+            <a:r>
+              <a:rPr lang="sv-SE" sz="2000" dirty="0" err="1"/>
+              <a:t>Agile</a:t>
+            </a:r>
+            <a:r>
+              <a:rPr lang="sv-SE" sz="2000" dirty="0"/>
+              <a:t> Data Science 2.0 Russel </a:t>
+            </a:r>
+            <a:r>
+              <a:rPr lang="sv-SE" sz="2000" dirty="0" err="1"/>
+              <a:t>Jurney</a:t>
+            </a:r>
+            <a:r>
+              <a:rPr lang="sv-SE" sz="2000" dirty="0"/>
+              <a:t>]</a:t>
             </a:r>
           </a:p>
         </p:txBody>
@@ -6475,7 +6498,7 @@
         </p:blipFill>
         <p:spPr bwMode="auto">
           <a:xfrm>
-            <a:off x="951802" y="2094289"/>
+            <a:off x="964495" y="1736232"/>
             <a:ext cx="5262386" cy="3807620"/>
           </a:xfrm>
           <a:prstGeom prst="rect">
@@ -6507,7 +6530,7 @@
         </p:nvSpPr>
         <p:spPr>
           <a:xfrm>
-            <a:off x="6400801" y="1838131"/>
+            <a:off x="6353176" y="1570831"/>
             <a:ext cx="4310743" cy="4138423"/>
           </a:xfrm>
           <a:prstGeom prst="rect">
@@ -6590,6 +6613,60 @@
           <a:p>
             <a:pPr algn="ctr"/>
             <a:endParaRPr lang="sv-SE" dirty="0"/>
+          </a:p>
+        </p:txBody>
+      </p:sp>
+      <p:sp>
+        <p:nvSpPr>
+          <p:cNvPr id="5" name="Title 1">
+            <a:extLst>
+              <a:ext uri="{FF2B5EF4-FFF2-40B4-BE49-F238E27FC236}">
+                <a16:creationId xmlns:a16="http://schemas.microsoft.com/office/drawing/2014/main" id="{7D1ABB0D-8024-4839-A944-CFF3AB3505DA}"/>
+              </a:ext>
+            </a:extLst>
+          </p:cNvPr>
+          <p:cNvSpPr txBox="1">
+            <a:spLocks/>
+          </p:cNvSpPr>
+          <p:nvPr/>
+        </p:nvSpPr>
+        <p:spPr>
+          <a:xfrm>
+            <a:off x="990600" y="517525"/>
+            <a:ext cx="10515600" cy="1325563"/>
+          </a:xfrm>
+          <a:prstGeom prst="rect">
+            <a:avLst/>
+          </a:prstGeom>
+        </p:spPr>
+        <p:txBody>
+          <a:bodyPr vert="horz" lIns="91440" tIns="45720" rIns="91440" bIns="45720" rtlCol="0" anchor="ctr">
+            <a:normAutofit/>
+          </a:bodyPr>
+          <a:lstStyle>
+            <a:lvl1pPr algn="l" defTabSz="914400" rtl="0" eaLnBrk="1" latinLnBrk="0" hangingPunct="1">
+              <a:lnSpc>
+                <a:spcPct val="90000"/>
+              </a:lnSpc>
+              <a:spcBef>
+                <a:spcPct val="0"/>
+              </a:spcBef>
+              <a:buNone/>
+              <a:defRPr sz="4400" kern="1200">
+                <a:solidFill>
+                  <a:schemeClr val="tx1"/>
+                </a:solidFill>
+                <a:latin typeface="+mj-lt"/>
+                <a:ea typeface="+mj-ea"/>
+                <a:cs typeface="+mj-cs"/>
+              </a:defRPr>
+            </a:lvl1pPr>
+          </a:lstStyle>
+          <a:p>
+            <a:r>
+              <a:rPr lang="sv-SE" dirty="0"/>
+              <a:t>Olika typer av effekter</a:t>
+            </a:r>
           </a:p>
         </p:txBody>
       </p:sp>
@@ -6905,6 +6982,61 @@
           </a:extLst>
         </p:spPr>
       </p:pic>
+      <p:sp>
+        <p:nvSpPr>
+          <p:cNvPr id="4" name="Title 1">
+            <a:extLst>
+              <a:ext uri="{FF2B5EF4-FFF2-40B4-BE49-F238E27FC236}">
+                <a16:creationId xmlns:a16="http://schemas.microsoft.com/office/drawing/2014/main" id="{A8886734-83E1-4306-814A-7C9499C64AC4}"/>
+              </a:ext>
+            </a:extLst>
+          </p:cNvPr>
+          <p:cNvSpPr txBox="1">
+            <a:spLocks/>
+          </p:cNvSpPr>
+          <p:nvPr/>
+        </p:nvSpPr>
+        <p:spPr>
+          <a:xfrm>
+            <a:off x="838200" y="5865756"/>
+            <a:ext cx="4448175" cy="396875"/>
+          </a:xfrm>
+          <a:prstGeom prst="rect">
+            <a:avLst/>
+          </a:prstGeom>
+        </p:spPr>
+        <p:txBody>
+          <a:bodyPr vert="horz" lIns="91440" tIns="45720" rIns="91440" bIns="45720" rtlCol="0" anchor="ctr">
+            <a:normAutofit/>
+          </a:bodyPr>
+          <a:lstStyle>
+            <a:lvl1pPr algn="l" defTabSz="914400" rtl="0" eaLnBrk="1" latinLnBrk="0" hangingPunct="1">
+              <a:lnSpc>
+                <a:spcPct val="90000"/>
+              </a:lnSpc>
+              <a:spcBef>
+                <a:spcPct val="0"/>
+              </a:spcBef>
+              <a:buNone/>
+              <a:defRPr sz="4400" kern="1200">
+                <a:solidFill>
+                  <a:schemeClr val="tx1"/>
+                </a:solidFill>
+                <a:latin typeface="+mj-lt"/>
+                <a:ea typeface="+mj-ea"/>
+                <a:cs typeface="+mj-cs"/>
+              </a:defRPr>
+            </a:lvl1pPr>
+          </a:lstStyle>
+          <a:p>
+            <a:r>
+              <a:rPr lang="sv-SE" sz="2000"/>
+              <a:t>[Agile Data Science 2.0 Russel Jurney]</a:t>
+            </a:r>
+            <a:endParaRPr lang="sv-SE" sz="2000" dirty="0"/>
+          </a:p>
+        </p:txBody>
+      </p:sp>
     </p:spTree>
     <p:extLst>
       <p:ext uri="{BB962C8B-B14F-4D97-AF65-F5344CB8AC3E}">
